--- a/final/Final Presentation.pptx
+++ b/final/Final Presentation.pptx
@@ -211,7 +211,7 @@
           <a:effectLst/>
           <a:extLst>
             <a:ext uri="{91240B29-F687-4f45-9708-019B960494DF}">
-              <a14:hiddenLine xmlns="" xmlns:a14="http://schemas.microsoft.com/office/drawing/2010/main" w="9525">
+              <a14:hiddenLine xmlns:a14="http://schemas.microsoft.com/office/drawing/2010/main" xmlns="" w="9525">
                 <a:solidFill>
                   <a:srgbClr val="000000"/>
                 </a:solidFill>
@@ -404,7 +404,7 @@
             <a:fld id="{08B9EBBA-996F-894A-B54A-D6246ED52CEA}" type="datetimeFigureOut">
               <a:rPr lang="en-US" dirty="0"/>
               <a:pPr/>
-              <a:t>4/14/20</a:t>
+              <a:t>4/14/2020</a:t>
             </a:fld>
             <a:endParaRPr lang="en-US" dirty="0"/>
           </a:p>
@@ -719,7 +719,7 @@
             <a:fld id="{18C79C5D-2A6F-F04D-97DA-BEF2467B64E4}" type="datetimeFigureOut">
               <a:rPr lang="en-US" dirty="0"/>
               <a:pPr/>
-              <a:t>4/14/20</a:t>
+              <a:t>4/14/2020</a:t>
             </a:fld>
             <a:endParaRPr lang="en-US" dirty="0"/>
           </a:p>
@@ -1204,7 +1204,7 @@
             <a:fld id="{8DFA1846-DA80-1C48-A609-854EA85C59AD}" type="datetimeFigureOut">
               <a:rPr lang="en-US" dirty="0"/>
               <a:pPr/>
-              <a:t>4/14/20</a:t>
+              <a:t>4/14/2020</a:t>
             </a:fld>
             <a:endParaRPr lang="en-US" dirty="0"/>
           </a:p>
@@ -1570,7 +1570,7 @@
             <a:fld id="{FBF54567-0DE4-3F47-BF90-CB84690072F9}" type="datetimeFigureOut">
               <a:rPr lang="en-US" dirty="0"/>
               <a:pPr/>
-              <a:t>4/14/20</a:t>
+              <a:t>4/14/2020</a:t>
             </a:fld>
             <a:endParaRPr lang="en-US" dirty="0"/>
           </a:p>
@@ -1721,7 +1721,7 @@
           <a:ln/>
           <a:extLst>
             <a:ext uri="{91240B29-F687-4f45-9708-019B960494DF}">
-              <a14:hiddenLine xmlns="" xmlns:a14="http://schemas.microsoft.com/office/drawing/2010/main" w="9525">
+              <a14:hiddenLine xmlns:a14="http://schemas.microsoft.com/office/drawing/2010/main" xmlns="" w="9525">
                 <a:solidFill>
                   <a:srgbClr val="000000"/>
                 </a:solidFill>
@@ -1840,7 +1840,7 @@
             <a:fld id="{C6C52C72-DE31-F449-A4ED-4C594FD91407}" type="datetimeFigureOut">
               <a:rPr lang="en-US" dirty="0"/>
               <a:pPr/>
-              <a:t>4/14/20</a:t>
+              <a:t>4/14/2020</a:t>
             </a:fld>
             <a:endParaRPr lang="en-US" dirty="0"/>
           </a:p>
@@ -1993,7 +1993,7 @@
           <a:ln/>
           <a:extLst>
             <a:ext uri="{91240B29-F687-4f45-9708-019B960494DF}">
-              <a14:hiddenLine xmlns="" xmlns:a14="http://schemas.microsoft.com/office/drawing/2010/main" w="9525">
+              <a14:hiddenLine xmlns:a14="http://schemas.microsoft.com/office/drawing/2010/main" xmlns="" w="9525">
                 <a:solidFill>
                   <a:srgbClr val="000000"/>
                 </a:solidFill>
@@ -2122,7 +2122,7 @@
             <a:fld id="{ED62726E-379B-B349-9EED-81ED093FA806}" type="datetimeFigureOut">
               <a:rPr lang="en-US" dirty="0"/>
               <a:pPr/>
-              <a:t>4/14/20</a:t>
+              <a:t>4/14/2020</a:t>
             </a:fld>
             <a:endParaRPr lang="en-US" dirty="0"/>
           </a:p>
@@ -2273,7 +2273,7 @@
           <a:ln/>
           <a:extLst>
             <a:ext uri="{91240B29-F687-4f45-9708-019B960494DF}">
-              <a14:hiddenLine xmlns="" xmlns:a14="http://schemas.microsoft.com/office/drawing/2010/main" w="9525">
+              <a14:hiddenLine xmlns:a14="http://schemas.microsoft.com/office/drawing/2010/main" xmlns="" w="9525">
                 <a:solidFill>
                   <a:srgbClr val="000000"/>
                 </a:solidFill>
@@ -2402,7 +2402,7 @@
             <a:fld id="{9B3A1323-8D79-1946-B0D7-40001CF92E9D}" type="datetimeFigureOut">
               <a:rPr lang="en-US" dirty="0"/>
               <a:pPr/>
-              <a:t>4/14/20</a:t>
+              <a:t>4/14/2020</a:t>
             </a:fld>
             <a:endParaRPr lang="en-US" dirty="0"/>
           </a:p>
@@ -2742,7 +2742,7 @@
             <a:fld id="{8DFA1846-DA80-1C48-A609-854EA85C59AD}" type="datetimeFigureOut">
               <a:rPr lang="en-US" dirty="0"/>
               <a:pPr/>
-              <a:t>4/14/20</a:t>
+              <a:t>4/14/2020</a:t>
             </a:fld>
             <a:endParaRPr lang="en-US" dirty="0"/>
           </a:p>
@@ -2893,7 +2893,7 @@
           <a:ln/>
           <a:extLst>
             <a:ext uri="{91240B29-F687-4f45-9708-019B960494DF}">
-              <a14:hiddenLine xmlns="" xmlns:a14="http://schemas.microsoft.com/office/drawing/2010/main" w="9525">
+              <a14:hiddenLine xmlns:a14="http://schemas.microsoft.com/office/drawing/2010/main" xmlns="" w="9525">
                 <a:solidFill>
                   <a:srgbClr val="000000"/>
                 </a:solidFill>
@@ -3078,7 +3078,7 @@
             <a:fld id="{57302355-E14B-8545-A8F8-0FE83CC9D524}" type="datetimeFigureOut">
               <a:rPr lang="en-US" dirty="0"/>
               <a:pPr/>
-              <a:t>4/14/20</a:t>
+              <a:t>4/14/2020</a:t>
             </a:fld>
             <a:endParaRPr lang="en-US" dirty="0"/>
           </a:p>
@@ -3229,7 +3229,7 @@
           <a:ln/>
           <a:extLst>
             <a:ext uri="{91240B29-F687-4f45-9708-019B960494DF}">
-              <a14:hiddenLine xmlns="" xmlns:a14="http://schemas.microsoft.com/office/drawing/2010/main" w="9525">
+              <a14:hiddenLine xmlns:a14="http://schemas.microsoft.com/office/drawing/2010/main" xmlns="" w="9525">
                 <a:solidFill>
                   <a:srgbClr val="000000"/>
                 </a:solidFill>
@@ -3552,7 +3552,7 @@
             <a:fld id="{02640F58-564D-2B4F-AE67-E407BA4FCF45}" type="datetimeFigureOut">
               <a:rPr lang="en-US" dirty="0"/>
               <a:pPr/>
-              <a:t>4/14/20</a:t>
+              <a:t>4/14/2020</a:t>
             </a:fld>
             <a:endParaRPr lang="en-US" dirty="0"/>
           </a:p>
@@ -3703,7 +3703,7 @@
           <a:ln/>
           <a:extLst>
             <a:ext uri="{91240B29-F687-4f45-9708-019B960494DF}">
-              <a14:hiddenLine xmlns="" xmlns:a14="http://schemas.microsoft.com/office/drawing/2010/main" w="9525">
+              <a14:hiddenLine xmlns:a14="http://schemas.microsoft.com/office/drawing/2010/main" xmlns="" w="9525">
                 <a:solidFill>
                   <a:srgbClr val="000000"/>
                 </a:solidFill>
@@ -3770,7 +3770,7 @@
             <a:fld id="{F13A34C8-038E-2045-AF43-DF7DBB8E0E9E}" type="datetimeFigureOut">
               <a:rPr lang="en-US" dirty="0"/>
               <a:pPr/>
-              <a:t>4/14/20</a:t>
+              <a:t>4/14/2020</a:t>
             </a:fld>
             <a:endParaRPr lang="en-US" dirty="0"/>
           </a:p>
@@ -3862,7 +3862,7 @@
             <a:fld id="{8818C68F-D26B-8F47-958C-23B49CF8A634}" type="datetimeFigureOut">
               <a:rPr lang="en-US" dirty="0"/>
               <a:pPr/>
-              <a:t>4/14/20</a:t>
+              <a:t>4/14/2020</a:t>
             </a:fld>
             <a:endParaRPr lang="en-US" dirty="0"/>
           </a:p>
@@ -4126,7 +4126,7 @@
           <a:ln/>
           <a:extLst>
             <a:ext uri="{91240B29-F687-4f45-9708-019B960494DF}">
-              <a14:hiddenLine xmlns="" xmlns:a14="http://schemas.microsoft.com/office/drawing/2010/main" w="9525">
+              <a14:hiddenLine xmlns:a14="http://schemas.microsoft.com/office/drawing/2010/main" xmlns="" w="9525">
                 <a:solidFill>
                   <a:srgbClr val="000000"/>
                 </a:solidFill>
@@ -4326,7 +4326,7 @@
             <a:fld id="{D0DF5E60-9974-AC48-9591-99C2BB44B7CF}" type="datetimeFigureOut">
               <a:rPr lang="en-US" dirty="0"/>
               <a:pPr/>
-              <a:t>4/14/20</a:t>
+              <a:t>4/14/2020</a:t>
             </a:fld>
             <a:endParaRPr lang="en-US" dirty="0"/>
           </a:p>
@@ -4636,7 +4636,7 @@
             <a:fld id="{18C79C5D-2A6F-F04D-97DA-BEF2467B64E4}" type="datetimeFigureOut">
               <a:rPr lang="en-US" dirty="0"/>
               <a:pPr/>
-              <a:t>4/14/20</a:t>
+              <a:t>4/14/2020</a:t>
             </a:fld>
             <a:endParaRPr lang="en-US" dirty="0"/>
           </a:p>
@@ -4903,7 +4903,7 @@
             <a:fld id="{09B482E8-6E0E-1B4F-B1FD-C69DB9E858D9}" type="datetimeFigureOut">
               <a:rPr lang="en-US" dirty="0"/>
               <a:pPr/>
-              <a:t>4/14/20</a:t>
+              <a:t>4/14/2020</a:t>
             </a:fld>
             <a:endParaRPr lang="en-US" dirty="0"/>
           </a:p>
@@ -6106,13 +6106,19 @@
           <a:p>
             <a:r>
               <a:rPr lang="en-US" sz="1600" dirty="0"/>
+              <a:t>Flask Web App Framework </a:t>
+            </a:r>
+          </a:p>
+          <a:p>
+            <a:r>
+              <a:rPr lang="en-US" sz="1600" dirty="0"/>
               <a:t>Python / Pandas </a:t>
             </a:r>
           </a:p>
           <a:p>
             <a:r>
               <a:rPr lang="en-US" sz="1600" dirty="0"/>
-              <a:t>Web Scraping</a:t>
+              <a:t>APIs and Web Scraping</a:t>
             </a:r>
           </a:p>
           <a:p>
@@ -6122,13 +6128,13 @@
             </a:r>
             <a:r>
               <a:rPr lang="en-US" sz="1600" dirty="0"/>
-              <a:t> (Postgres Database)</a:t>
+              <a:t> (Postgres Database) </a:t>
             </a:r>
           </a:p>
           <a:p>
             <a:r>
               <a:rPr lang="en-US" sz="1600" dirty="0"/>
-              <a:t>Machine Learning (Sci-kit) </a:t>
+              <a:t>SQL / ETL </a:t>
             </a:r>
           </a:p>
           <a:p>
@@ -6140,19 +6146,18 @@
           <a:p>
             <a:r>
               <a:rPr lang="en-US" sz="1600" dirty="0" err="1"/>
+              <a:t>JQuery</a:t>
+            </a:r>
+            <a:endParaRPr lang="en-US" sz="1600" dirty="0"/>
+          </a:p>
+          <a:p>
+            <a:r>
+              <a:rPr lang="en-US" sz="1600" dirty="0" err="1"/>
               <a:t>Javascript</a:t>
             </a:r>
             <a:r>
               <a:rPr lang="en-US" sz="1600" dirty="0"/>
-              <a:t> D3 and </a:t>
-            </a:r>
-            <a:r>
-              <a:rPr lang="en-US" sz="1600" dirty="0" err="1"/>
-              <a:t>Jquery</a:t>
-            </a:r>
-            <a:r>
-              <a:rPr lang="en-US" sz="1600" dirty="0"/>
-              <a:t> </a:t>
+              <a:t>, d3.js library </a:t>
             </a:r>
           </a:p>
           <a:p>
@@ -6164,7 +6169,29 @@
           <a:p>
             <a:r>
               <a:rPr lang="en-US" sz="1600" dirty="0"/>
-              <a:t>Flask App </a:t>
+              <a:t>Machine Learning (</a:t>
+            </a:r>
+            <a:r>
+              <a:rPr lang="en" sz="1600" dirty="0">
+                <a:latin typeface="Roboto"/>
+                <a:ea typeface="Roboto"/>
+                <a:cs typeface="Roboto"/>
+                <a:sym typeface="Roboto"/>
+              </a:rPr>
+              <a:t>Scikit-Learn </a:t>
+            </a:r>
+            <a:r>
+              <a:rPr lang="en-US" sz="1600" dirty="0">
+                <a:latin typeface="Roboto"/>
+                <a:ea typeface="Roboto"/>
+                <a:cs typeface="Roboto"/>
+                <a:sym typeface="Roboto"/>
+              </a:rPr>
+              <a:t>Library</a:t>
+            </a:r>
+            <a:r>
+              <a:rPr lang="en-US" sz="1600" dirty="0"/>
+              <a:t>) </a:t>
             </a:r>
           </a:p>
         </p:txBody>
